--- a/ResearchPresentation.pptx
+++ b/ResearchPresentation.pptx
@@ -5,7 +5,7 @@
     <p:sldMasterId id="2147483648" r:id="rId1"/>
   </p:sldMasterIdLst>
   <p:notesMasterIdLst>
-    <p:notesMasterId r:id="rId14"/>
+    <p:notesMasterId r:id="rId15"/>
   </p:notesMasterIdLst>
   <p:sldIdLst>
     <p:sldId id="256" r:id="rId2"/>
@@ -13,13 +13,14 @@
     <p:sldId id="258" r:id="rId4"/>
     <p:sldId id="260" r:id="rId5"/>
     <p:sldId id="259" r:id="rId6"/>
-    <p:sldId id="261" r:id="rId7"/>
-    <p:sldId id="262" r:id="rId8"/>
-    <p:sldId id="264" r:id="rId9"/>
-    <p:sldId id="263" r:id="rId10"/>
-    <p:sldId id="265" r:id="rId11"/>
-    <p:sldId id="266" r:id="rId12"/>
-    <p:sldId id="267" r:id="rId13"/>
+    <p:sldId id="268" r:id="rId7"/>
+    <p:sldId id="261" r:id="rId8"/>
+    <p:sldId id="262" r:id="rId9"/>
+    <p:sldId id="264" r:id="rId10"/>
+    <p:sldId id="263" r:id="rId11"/>
+    <p:sldId id="265" r:id="rId12"/>
+    <p:sldId id="266" r:id="rId13"/>
+    <p:sldId id="267" r:id="rId14"/>
   </p:sldIdLst>
   <p:sldSz cx="12192000" cy="6858000"/>
   <p:notesSz cx="6858000" cy="9144000"/>
@@ -3386,7 +3387,7 @@
           <a:p>
             <a:fld id="{5F674558-5DAC-4578-BE51-14A16D48415A}" type="datetimeFigureOut">
               <a:rPr lang="en-AU" smtClean="0"/>
-              <a:t>29/01/2019</a:t>
+              <a:t>29/1/19</a:t>
             </a:fld>
             <a:endParaRPr lang="en-AU"/>
           </a:p>
@@ -4155,7 +4156,7 @@
           <a:p>
             <a:fld id="{7B3F6E91-E9CC-45B7-A82B-39A535E46CDF}" type="slidenum">
               <a:rPr lang="en-AU" smtClean="0"/>
-              <a:t>8</a:t>
+              <a:t>9</a:t>
             </a:fld>
             <a:endParaRPr lang="en-AU"/>
           </a:p>
@@ -4510,7 +4511,7 @@
             <a:fld id="{5923F103-BC34-4FE4-A40E-EDDEECFDA5D0}" type="datetimeFigureOut">
               <a:rPr lang="en-US" dirty="0"/>
               <a:pPr/>
-              <a:t>29-Jan-19</a:t>
+              <a:t>1/29/19</a:t>
             </a:fld>
             <a:endParaRPr lang="en-US" dirty="0"/>
           </a:p>
@@ -5598,7 +5599,7 @@
           <a:p>
             <a:fld id="{923A1CC3-2375-41D4-9E03-427CAF2A4C1A}" type="datetimeFigureOut">
               <a:rPr lang="en-US" dirty="0"/>
-              <a:t>29-Jan-19</a:t>
+              <a:t>1/29/19</a:t>
             </a:fld>
             <a:endParaRPr lang="en-US" dirty="0"/>
           </a:p>
@@ -6578,7 +6579,7 @@
           <a:p>
             <a:fld id="{AFF16868-8199-4C2C-A5B1-63AEE139F88E}" type="datetimeFigureOut">
               <a:rPr lang="en-US" dirty="0"/>
-              <a:t>29-Jan-19</a:t>
+              <a:t>1/29/19</a:t>
             </a:fld>
             <a:endParaRPr lang="en-US" dirty="0"/>
           </a:p>
@@ -7712,7 +7713,7 @@
           <a:p>
             <a:fld id="{AAD9FF7F-6988-44CC-821B-644E70CD2F73}" type="datetimeFigureOut">
               <a:rPr lang="en-US" dirty="0"/>
-              <a:t>29-Jan-19</a:t>
+              <a:t>1/29/19</a:t>
             </a:fld>
             <a:endParaRPr lang="en-US" dirty="0"/>
           </a:p>
@@ -8745,7 +8746,7 @@
           <a:p>
             <a:fld id="{5C12C299-16B2-4475-990D-751901EACC14}" type="datetimeFigureOut">
               <a:rPr lang="en-US" dirty="0"/>
-              <a:t>29-Jan-19</a:t>
+              <a:t>1/29/19</a:t>
             </a:fld>
             <a:endParaRPr lang="en-US" dirty="0"/>
           </a:p>
@@ -9405,7 +9406,7 @@
           <a:p>
             <a:fld id="{9FE86839-B9D8-4651-8783-F325ECE74E65}" type="datetimeFigureOut">
               <a:rPr lang="en-US" dirty="0"/>
-              <a:t>29-Jan-19</a:t>
+              <a:t>1/29/19</a:t>
             </a:fld>
             <a:endParaRPr lang="en-US" dirty="0"/>
           </a:p>
@@ -10266,7 +10267,7 @@
           <a:p>
             <a:fld id="{FD484F64-32F6-45C5-931F-ADC1662401D0}" type="datetimeFigureOut">
               <a:rPr lang="en-US" dirty="0"/>
-              <a:t>29-Jan-19</a:t>
+              <a:t>1/29/19</a:t>
             </a:fld>
             <a:endParaRPr lang="en-US" dirty="0"/>
           </a:p>
@@ -10456,7 +10457,7 @@
           <a:p>
             <a:fld id="{53086D93-FCAC-47E0-A2EE-787E62CA814C}" type="datetimeFigureOut">
               <a:rPr lang="en-US" dirty="0"/>
-              <a:t>29-Jan-19</a:t>
+              <a:t>1/29/19</a:t>
             </a:fld>
             <a:endParaRPr lang="en-US" dirty="0"/>
           </a:p>
@@ -11428,7 +11429,7 @@
           <a:p>
             <a:fld id="{CDA879A6-0FD0-4734-A311-86BFCA472E6E}" type="datetimeFigureOut">
               <a:rPr lang="en-US" dirty="0"/>
-              <a:t>29-Jan-19</a:t>
+              <a:t>1/29/19</a:t>
             </a:fld>
             <a:endParaRPr lang="en-US" dirty="0"/>
           </a:p>
@@ -11639,7 +11640,7 @@
           <a:p>
             <a:fld id="{19C9CA7B-DFD4-44B5-8C60-D14B8CD1FB59}" type="datetimeFigureOut">
               <a:rPr lang="en-US" dirty="0"/>
-              <a:t>29-Jan-19</a:t>
+              <a:t>1/29/19</a:t>
             </a:fld>
             <a:endParaRPr lang="en-US" dirty="0"/>
           </a:p>
@@ -12673,7 +12674,7 @@
           <a:p>
             <a:fld id="{F34E6425-0181-43F2-84FC-787E803FD2F8}" type="datetimeFigureOut">
               <a:rPr lang="en-US" dirty="0"/>
-              <a:t>29-Jan-19</a:t>
+              <a:t>1/29/19</a:t>
             </a:fld>
             <a:endParaRPr lang="en-US" dirty="0"/>
           </a:p>
@@ -12945,7 +12946,7 @@
           <a:p>
             <a:fld id="{3BDB8791-F1B0-41E7-B7FD-A781E65C4266}" type="datetimeFigureOut">
               <a:rPr lang="en-US" dirty="0"/>
-              <a:t>29-Jan-19</a:t>
+              <a:t>1/29/19</a:t>
             </a:fld>
             <a:endParaRPr lang="en-US" dirty="0"/>
           </a:p>
@@ -13355,7 +13356,7 @@
           <a:p>
             <a:fld id="{5FDD63B2-E120-4ED8-B27B-C685F510A5FE}" type="datetimeFigureOut">
               <a:rPr lang="en-US" dirty="0"/>
-              <a:t>29-Jan-19</a:t>
+              <a:t>1/29/19</a:t>
             </a:fld>
             <a:endParaRPr lang="en-US" dirty="0"/>
           </a:p>
@@ -13482,7 +13483,7 @@
           <a:p>
             <a:fld id="{7AA18ACC-A947-437B-A130-35BD54FDF1E9}" type="datetimeFigureOut">
               <a:rPr lang="en-US" dirty="0"/>
-              <a:t>29-Jan-19</a:t>
+              <a:t>1/29/19</a:t>
             </a:fld>
             <a:endParaRPr lang="en-US" dirty="0"/>
           </a:p>
@@ -13577,7 +13578,7 @@
           <a:p>
             <a:fld id="{7C8D7E02-BCB8-4D50-A234-369438C08659}" type="datetimeFigureOut">
               <a:rPr lang="en-US" dirty="0"/>
-              <a:t>29-Jan-19</a:t>
+              <a:t>1/29/19</a:t>
             </a:fld>
             <a:endParaRPr lang="en-US" dirty="0"/>
           </a:p>
@@ -14658,7 +14659,7 @@
           <a:p>
             <a:fld id="{76E86A4C-8E40-4F87-A4F0-01A0687C5742}" type="datetimeFigureOut">
               <a:rPr lang="en-US" dirty="0"/>
-              <a:t>29-Jan-19</a:t>
+              <a:t>1/29/19</a:t>
             </a:fld>
             <a:endParaRPr lang="en-US" dirty="0"/>
           </a:p>
@@ -15766,7 +15767,7 @@
           <a:p>
             <a:fld id="{35E72C73-2D91-4E12-BA25-F0AA0C03599B}" type="datetimeFigureOut">
               <a:rPr lang="en-US" dirty="0"/>
-              <a:t>29-Jan-19</a:t>
+              <a:t>1/29/19</a:t>
             </a:fld>
             <a:endParaRPr lang="en-US" dirty="0"/>
           </a:p>
@@ -16763,7 +16764,7 @@
           <a:p>
             <a:fld id="{2BE451C3-0FF4-47C4-B829-773ADF60F88C}" type="datetimeFigureOut">
               <a:rPr lang="en-US" dirty="0"/>
-              <a:t>29-Jan-19</a:t>
+              <a:t>1/29/19</a:t>
             </a:fld>
             <a:endParaRPr lang="en-US" dirty="0"/>
           </a:p>
@@ -17406,6 +17407,283 @@
 <file path=ppt/slides/slide10.xml><?xml version="1.0" encoding="utf-8"?>
 <p:sld xmlns:a="http://schemas.openxmlformats.org/drawingml/2006/main" xmlns:r="http://schemas.openxmlformats.org/officeDocument/2006/relationships" xmlns:p="http://schemas.openxmlformats.org/presentationml/2006/main">
   <p:cSld>
+    <p:spTree>
+      <p:nvGrpSpPr>
+        <p:cNvPr id="1" name=""/>
+        <p:cNvGrpSpPr/>
+        <p:nvPr/>
+      </p:nvGrpSpPr>
+      <p:grpSpPr>
+        <a:xfrm>
+          <a:off x="0" y="0"/>
+          <a:ext cx="0" cy="0"/>
+          <a:chOff x="0" y="0"/>
+          <a:chExt cx="0" cy="0"/>
+        </a:xfrm>
+      </p:grpSpPr>
+      <p:sp>
+        <p:nvSpPr>
+          <p:cNvPr id="2" name="Title 1">
+            <a:extLst>
+              <a:ext uri="{FF2B5EF4-FFF2-40B4-BE49-F238E27FC236}">
+                <a16:creationId xmlns:a16="http://schemas.microsoft.com/office/drawing/2014/main" id="{7094FCE3-94DA-4EAC-8AA1-F34F988975B3}"/>
+              </a:ext>
+            </a:extLst>
+          </p:cNvPr>
+          <p:cNvSpPr>
+            <a:spLocks noGrp="1"/>
+          </p:cNvSpPr>
+          <p:nvPr>
+            <p:ph type="title"/>
+          </p:nvPr>
+        </p:nvSpPr>
+        <p:spPr/>
+        <p:txBody>
+          <a:bodyPr/>
+          <a:lstStyle/>
+          <a:p>
+            <a:r>
+              <a:rPr lang="en-AU" dirty="0"/>
+              <a:t>Layered Neural Network</a:t>
+            </a:r>
+          </a:p>
+        </p:txBody>
+      </p:sp>
+      <p:graphicFrame>
+        <p:nvGraphicFramePr>
+          <p:cNvPr id="4" name="Content Placeholder 3">
+            <a:extLst>
+              <a:ext uri="{FF2B5EF4-FFF2-40B4-BE49-F238E27FC236}">
+                <a16:creationId xmlns:a16="http://schemas.microsoft.com/office/drawing/2014/main" id="{52E527EB-103B-4E61-9691-6E820346F37D}"/>
+              </a:ext>
+            </a:extLst>
+          </p:cNvPr>
+          <p:cNvGraphicFramePr>
+            <a:graphicFrameLocks noGrp="1"/>
+          </p:cNvGraphicFramePr>
+          <p:nvPr>
+            <p:ph idx="1"/>
+            <p:extLst>
+              <p:ext uri="{D42A27DB-BD31-4B8C-83A1-F6EECF244321}">
+                <p14:modId xmlns:p14="http://schemas.microsoft.com/office/powerpoint/2010/main" val="3019143869"/>
+              </p:ext>
+            </p:extLst>
+          </p:nvPr>
+        </p:nvGraphicFramePr>
+        <p:xfrm>
+          <a:off x="329784" y="2608288"/>
+          <a:ext cx="10972800" cy="3411511"/>
+        </p:xfrm>
+        <a:graphic>
+          <a:graphicData uri="http://schemas.openxmlformats.org/drawingml/2006/diagram">
+            <dgm:relIds xmlns:dgm="http://schemas.openxmlformats.org/drawingml/2006/diagram" xmlns:r="http://schemas.openxmlformats.org/officeDocument/2006/relationships" r:dm="rId2" r:lo="rId3" r:qs="rId4" r:cs="rId5"/>
+          </a:graphicData>
+        </a:graphic>
+      </p:graphicFrame>
+      <p:sp>
+        <p:nvSpPr>
+          <p:cNvPr id="6" name="Arrow: Right 5">
+            <a:extLst>
+              <a:ext uri="{FF2B5EF4-FFF2-40B4-BE49-F238E27FC236}">
+                <a16:creationId xmlns:a16="http://schemas.microsoft.com/office/drawing/2014/main" id="{D29FCA9F-8452-4CF5-A1E9-9A393FEE83B1}"/>
+              </a:ext>
+            </a:extLst>
+          </p:cNvPr>
+          <p:cNvSpPr/>
+          <p:nvPr/>
+        </p:nvSpPr>
+        <p:spPr>
+          <a:xfrm>
+            <a:off x="7030387" y="4075762"/>
+            <a:ext cx="1289154" cy="476561"/>
+          </a:xfrm>
+          <a:prstGeom prst="rightArrow">
+            <a:avLst/>
+          </a:prstGeom>
+          <a:solidFill>
+            <a:srgbClr val="DDBCC6"/>
+          </a:solidFill>
+          <a:ln>
+            <a:solidFill>
+              <a:srgbClr val="DDBCC6"/>
+            </a:solidFill>
+          </a:ln>
+        </p:spPr>
+        <p:style>
+          <a:lnRef idx="2">
+            <a:schemeClr val="accent1">
+              <a:shade val="50000"/>
+            </a:schemeClr>
+          </a:lnRef>
+          <a:fillRef idx="1">
+            <a:schemeClr val="accent1"/>
+          </a:fillRef>
+          <a:effectRef idx="0">
+            <a:schemeClr val="accent1"/>
+          </a:effectRef>
+          <a:fontRef idx="minor">
+            <a:schemeClr val="lt1"/>
+          </a:fontRef>
+        </p:style>
+        <p:txBody>
+          <a:bodyPr rtlCol="0" anchor="ctr"/>
+          <a:lstStyle/>
+          <a:p>
+            <a:pPr algn="ctr"/>
+            <a:endParaRPr lang="en-AU"/>
+          </a:p>
+        </p:txBody>
+      </p:sp>
+      <p:grpSp>
+        <p:nvGrpSpPr>
+          <p:cNvPr id="7" name="Group 6">
+            <a:extLst>
+              <a:ext uri="{FF2B5EF4-FFF2-40B4-BE49-F238E27FC236}">
+                <a16:creationId xmlns:a16="http://schemas.microsoft.com/office/drawing/2014/main" id="{B0027E4B-77D7-4E6D-ACD8-24F88BCB88AC}"/>
+              </a:ext>
+            </a:extLst>
+          </p:cNvPr>
+          <p:cNvGrpSpPr/>
+          <p:nvPr/>
+        </p:nvGrpSpPr>
+        <p:grpSpPr>
+          <a:xfrm>
+            <a:off x="8432391" y="3794674"/>
+            <a:ext cx="1483976" cy="1038735"/>
+            <a:chOff x="2974386" y="19545"/>
+            <a:chExt cx="1483976" cy="1038735"/>
+          </a:xfrm>
+        </p:grpSpPr>
+        <p:sp>
+          <p:nvSpPr>
+            <p:cNvPr id="8" name="Rectangle: Rounded Corners 7">
+              <a:extLst>
+                <a:ext uri="{FF2B5EF4-FFF2-40B4-BE49-F238E27FC236}">
+                  <a16:creationId xmlns:a16="http://schemas.microsoft.com/office/drawing/2014/main" id="{FD685B23-585A-4B06-8B62-A4A4111576F1}"/>
+                </a:ext>
+              </a:extLst>
+            </p:cNvPr>
+            <p:cNvSpPr/>
+            <p:nvPr/>
+          </p:nvSpPr>
+          <p:spPr>
+            <a:xfrm>
+              <a:off x="2974386" y="19545"/>
+              <a:ext cx="1483976" cy="1038735"/>
+            </a:xfrm>
+            <a:prstGeom prst="roundRect">
+              <a:avLst>
+                <a:gd name="adj" fmla="val 16670"/>
+              </a:avLst>
+            </a:prstGeom>
+          </p:spPr>
+          <p:style>
+            <a:lnRef idx="2">
+              <a:schemeClr val="lt1">
+                <a:hueOff val="0"/>
+                <a:satOff val="0"/>
+                <a:lumOff val="0"/>
+                <a:alphaOff val="0"/>
+              </a:schemeClr>
+            </a:lnRef>
+            <a:fillRef idx="1">
+              <a:schemeClr val="accent1">
+                <a:hueOff val="0"/>
+                <a:satOff val="0"/>
+                <a:lumOff val="0"/>
+                <a:alphaOff val="0"/>
+              </a:schemeClr>
+            </a:fillRef>
+            <a:effectRef idx="0">
+              <a:schemeClr val="accent1">
+                <a:hueOff val="0"/>
+                <a:satOff val="0"/>
+                <a:lumOff val="0"/>
+                <a:alphaOff val="0"/>
+              </a:schemeClr>
+            </a:effectRef>
+            <a:fontRef idx="minor">
+              <a:schemeClr val="lt1"/>
+            </a:fontRef>
+          </p:style>
+        </p:sp>
+        <p:sp>
+          <p:nvSpPr>
+            <p:cNvPr id="9" name="Rectangle: Rounded Corners 4">
+              <a:extLst>
+                <a:ext uri="{FF2B5EF4-FFF2-40B4-BE49-F238E27FC236}">
+                  <a16:creationId xmlns:a16="http://schemas.microsoft.com/office/drawing/2014/main" id="{5C020220-9946-4DE5-931F-ADAF1AEF20E4}"/>
+                </a:ext>
+              </a:extLst>
+            </p:cNvPr>
+            <p:cNvSpPr txBox="1"/>
+            <p:nvPr/>
+          </p:nvSpPr>
+          <p:spPr>
+            <a:xfrm>
+              <a:off x="3025102" y="70261"/>
+              <a:ext cx="1382544" cy="937303"/>
+            </a:xfrm>
+            <a:prstGeom prst="rect">
+              <a:avLst/>
+            </a:prstGeom>
+          </p:spPr>
+          <p:style>
+            <a:lnRef idx="0">
+              <a:scrgbClr r="0" g="0" b="0"/>
+            </a:lnRef>
+            <a:fillRef idx="0">
+              <a:scrgbClr r="0" g="0" b="0"/>
+            </a:fillRef>
+            <a:effectRef idx="0">
+              <a:scrgbClr r="0" g="0" b="0"/>
+            </a:effectRef>
+            <a:fontRef idx="minor">
+              <a:schemeClr val="lt1"/>
+            </a:fontRef>
+          </p:style>
+          <p:txBody>
+            <a:bodyPr spcFirstLastPara="0" vert="horz" wrap="square" lIns="53340" tIns="53340" rIns="53340" bIns="53340" numCol="1" spcCol="1270" anchor="ctr" anchorCtr="0">
+              <a:noAutofit/>
+            </a:bodyPr>
+            <a:lstStyle/>
+            <a:p>
+              <a:pPr marL="0" lvl="0" indent="0" algn="ctr" defTabSz="622300">
+                <a:lnSpc>
+                  <a:spcPct val="90000"/>
+                </a:lnSpc>
+                <a:spcBef>
+                  <a:spcPct val="0"/>
+                </a:spcBef>
+                <a:spcAft>
+                  <a:spcPct val="35000"/>
+                </a:spcAft>
+                <a:buNone/>
+              </a:pPr>
+              <a:r>
+                <a:rPr lang="en-AU" sz="1400" kern="1200" dirty="0"/>
+                <a:t>Classify M Stars into Subclasses</a:t>
+              </a:r>
+            </a:p>
+          </p:txBody>
+        </p:sp>
+      </p:grpSp>
+    </p:spTree>
+    <p:extLst>
+      <p:ext uri="{BB962C8B-B14F-4D97-AF65-F5344CB8AC3E}">
+        <p14:creationId xmlns:p14="http://schemas.microsoft.com/office/powerpoint/2010/main" val="3412194882"/>
+      </p:ext>
+    </p:extLst>
+  </p:cSld>
+  <p:clrMapOvr>
+    <a:masterClrMapping/>
+  </p:clrMapOvr>
+</p:sld>
+</file>
+
+<file path=ppt/slides/slide11.xml><?xml version="1.0" encoding="utf-8"?>
+<p:sld xmlns:a="http://schemas.openxmlformats.org/drawingml/2006/main" xmlns:r="http://schemas.openxmlformats.org/officeDocument/2006/relationships" xmlns:p="http://schemas.openxmlformats.org/presentationml/2006/main">
+  <p:cSld>
     <p:bg>
       <p:bgPr>
         <a:solidFill>
@@ -18361,7 +18639,7 @@
 </p:sld>
 </file>
 
-<file path=ppt/slides/slide11.xml><?xml version="1.0" encoding="utf-8"?>
+<file path=ppt/slides/slide12.xml><?xml version="1.0" encoding="utf-8"?>
 <p:sld xmlns:a="http://schemas.openxmlformats.org/drawingml/2006/main" xmlns:r="http://schemas.openxmlformats.org/officeDocument/2006/relationships" xmlns:p="http://schemas.openxmlformats.org/presentationml/2006/main">
   <p:cSld>
     <p:spTree>
@@ -18479,7 +18757,7 @@
 </p:sld>
 </file>
 
-<file path=ppt/slides/slide12.xml><?xml version="1.0" encoding="utf-8"?>
+<file path=ppt/slides/slide13.xml><?xml version="1.0" encoding="utf-8"?>
 <p:sld xmlns:a="http://schemas.openxmlformats.org/drawingml/2006/main" xmlns:r="http://schemas.openxmlformats.org/officeDocument/2006/relationships" xmlns:p="http://schemas.openxmlformats.org/presentationml/2006/main">
   <p:cSld>
     <p:spTree>
@@ -21567,6 +21845,1066 @@
       </p:grpSpPr>
       <p:grpSp>
         <p:nvGrpSpPr>
+          <p:cNvPr id="23" name="Group 22">
+            <a:extLst>
+              <a:ext uri="{FF2B5EF4-FFF2-40B4-BE49-F238E27FC236}">
+                <a16:creationId xmlns:a16="http://schemas.microsoft.com/office/drawing/2014/main" id="{6061F655-345C-4AD8-85BC-913D875232C0}"/>
+              </a:ext>
+              <a:ext uri="{C183D7F6-B498-43B3-948B-1728B52AA6E4}">
+                <adec:decorative xmlns:adec="http://schemas.microsoft.com/office/drawing/2017/decorative" val="1"/>
+              </a:ext>
+            </a:extLst>
+          </p:cNvPr>
+          <p:cNvGrpSpPr>
+            <a:grpSpLocks noGrp="1" noUngrp="1" noRot="1" noChangeAspect="1" noMove="1" noResize="1"/>
+          </p:cNvGrpSpPr>
+          <p:nvPr>
+            <p:extLst>
+              <p:ext uri="{386F3935-93C4-4BCD-93E2-E3B085C9AB24}">
+                <p16:designElem xmlns:p16="http://schemas.microsoft.com/office/powerpoint/2015/main" val="1"/>
+              </p:ext>
+            </p:extLst>
+          </p:nvPr>
+        </p:nvGrpSpPr>
+        <p:grpSpPr>
+          <a:xfrm>
+            <a:off x="0" y="0"/>
+            <a:ext cx="12192000" cy="6858000"/>
+            <a:chOff x="0" y="0"/>
+            <a:chExt cx="12192000" cy="6858000"/>
+          </a:xfrm>
+        </p:grpSpPr>
+        <p:sp>
+          <p:nvSpPr>
+            <p:cNvPr id="24" name="Rectangle 23">
+              <a:extLst>
+                <a:ext uri="{FF2B5EF4-FFF2-40B4-BE49-F238E27FC236}">
+                  <a16:creationId xmlns:a16="http://schemas.microsoft.com/office/drawing/2014/main" id="{643780CE-2BE5-46F6-97B2-60DF30217ED3}"/>
+                </a:ext>
+                <a:ext uri="{C183D7F6-B498-43B3-948B-1728B52AA6E4}">
+                  <adec:decorative xmlns:adec="http://schemas.microsoft.com/office/drawing/2017/decorative" val="1"/>
+                </a:ext>
+              </a:extLst>
+            </p:cNvPr>
+            <p:cNvSpPr/>
+            <p:nvPr>
+              <p:extLst>
+                <p:ext uri="{386F3935-93C4-4BCD-93E2-E3B085C9AB24}">
+                  <p16:designElem xmlns:p16="http://schemas.microsoft.com/office/powerpoint/2015/main" val="1"/>
+                </p:ext>
+              </p:extLst>
+            </p:nvPr>
+          </p:nvSpPr>
+          <p:spPr>
+            <a:xfrm>
+              <a:off x="0" y="0"/>
+              <a:ext cx="12192000" cy="6858000"/>
+            </a:xfrm>
+            <a:prstGeom prst="rect">
+              <a:avLst/>
+            </a:prstGeom>
+            <a:blipFill>
+              <a:blip r:embed="rId2">
+                <a:duotone>
+                  <a:schemeClr val="dk2">
+                    <a:shade val="69000"/>
+                    <a:hueMod val="91000"/>
+                    <a:satMod val="164000"/>
+                    <a:lumMod val="74000"/>
+                  </a:schemeClr>
+                  <a:schemeClr val="dk2">
+                    <a:hueMod val="124000"/>
+                    <a:satMod val="140000"/>
+                    <a:lumMod val="142000"/>
+                  </a:schemeClr>
+                </a:duotone>
+              </a:blip>
+              <a:stretch>
+                <a:fillRect/>
+              </a:stretch>
+            </a:blipFill>
+            <a:ln>
+              <a:noFill/>
+            </a:ln>
+          </p:spPr>
+          <p:style>
+            <a:lnRef idx="2">
+              <a:schemeClr val="accent1">
+                <a:shade val="50000"/>
+              </a:schemeClr>
+            </a:lnRef>
+            <a:fillRef idx="1">
+              <a:schemeClr val="accent1"/>
+            </a:fillRef>
+            <a:effectRef idx="0">
+              <a:schemeClr val="accent1"/>
+            </a:effectRef>
+            <a:fontRef idx="minor">
+              <a:schemeClr val="lt1"/>
+            </a:fontRef>
+          </p:style>
+        </p:sp>
+        <p:sp>
+          <p:nvSpPr>
+            <p:cNvPr id="25" name="Oval 24">
+              <a:extLst>
+                <a:ext uri="{FF2B5EF4-FFF2-40B4-BE49-F238E27FC236}">
+                  <a16:creationId xmlns:a16="http://schemas.microsoft.com/office/drawing/2014/main" id="{4233DC0E-DE6C-4FB6-A529-51B162641AB8}"/>
+                </a:ext>
+                <a:ext uri="{C183D7F6-B498-43B3-948B-1728B52AA6E4}">
+                  <adec:decorative xmlns:adec="http://schemas.microsoft.com/office/drawing/2017/decorative" val="1"/>
+                </a:ext>
+              </a:extLst>
+            </p:cNvPr>
+            <p:cNvSpPr/>
+            <p:nvPr>
+              <p:extLst>
+                <p:ext uri="{386F3935-93C4-4BCD-93E2-E3B085C9AB24}">
+                  <p16:designElem xmlns:p16="http://schemas.microsoft.com/office/powerpoint/2015/main" val="1"/>
+                </p:ext>
+              </p:extLst>
+            </p:nvPr>
+          </p:nvSpPr>
+          <p:spPr>
+            <a:xfrm>
+              <a:off x="0" y="2667000"/>
+              <a:ext cx="4191000" cy="4191000"/>
+            </a:xfrm>
+            <a:prstGeom prst="ellipse">
+              <a:avLst/>
+            </a:prstGeom>
+            <a:gradFill flip="none" rotWithShape="1">
+              <a:gsLst>
+                <a:gs pos="0">
+                  <a:schemeClr val="accent5">
+                    <a:alpha val="11000"/>
+                  </a:schemeClr>
+                </a:gs>
+                <a:gs pos="75000">
+                  <a:schemeClr val="accent5">
+                    <a:alpha val="0"/>
+                  </a:schemeClr>
+                </a:gs>
+                <a:gs pos="36000">
+                  <a:schemeClr val="accent5">
+                    <a:alpha val="10000"/>
+                  </a:schemeClr>
+                </a:gs>
+              </a:gsLst>
+              <a:path path="circle">
+                <a:fillToRect l="50000" t="50000" r="50000" b="50000"/>
+              </a:path>
+              <a:tileRect/>
+            </a:gradFill>
+            <a:ln>
+              <a:noFill/>
+            </a:ln>
+            <a:effectLst/>
+          </p:spPr>
+          <p:style>
+            <a:lnRef idx="1">
+              <a:schemeClr val="accent1"/>
+            </a:lnRef>
+            <a:fillRef idx="3">
+              <a:schemeClr val="accent1"/>
+            </a:fillRef>
+            <a:effectRef idx="2">
+              <a:schemeClr val="accent1"/>
+            </a:effectRef>
+            <a:fontRef idx="minor">
+              <a:schemeClr val="lt1"/>
+            </a:fontRef>
+          </p:style>
+        </p:sp>
+        <p:sp>
+          <p:nvSpPr>
+            <p:cNvPr id="26" name="Oval 25">
+              <a:extLst>
+                <a:ext uri="{FF2B5EF4-FFF2-40B4-BE49-F238E27FC236}">
+                  <a16:creationId xmlns:a16="http://schemas.microsoft.com/office/drawing/2014/main" id="{3870477F-E451-4BC3-863F-0E2FC572884B}"/>
+                </a:ext>
+                <a:ext uri="{C183D7F6-B498-43B3-948B-1728B52AA6E4}">
+                  <adec:decorative xmlns:adec="http://schemas.microsoft.com/office/drawing/2017/decorative" val="1"/>
+                </a:ext>
+              </a:extLst>
+            </p:cNvPr>
+            <p:cNvSpPr/>
+            <p:nvPr>
+              <p:extLst>
+                <p:ext uri="{386F3935-93C4-4BCD-93E2-E3B085C9AB24}">
+                  <p16:designElem xmlns:p16="http://schemas.microsoft.com/office/powerpoint/2015/main" val="1"/>
+                </p:ext>
+              </p:extLst>
+            </p:nvPr>
+          </p:nvSpPr>
+          <p:spPr>
+            <a:xfrm>
+              <a:off x="0" y="2895600"/>
+              <a:ext cx="2362200" cy="2362200"/>
+            </a:xfrm>
+            <a:prstGeom prst="ellipse">
+              <a:avLst/>
+            </a:prstGeom>
+            <a:gradFill flip="none" rotWithShape="1">
+              <a:gsLst>
+                <a:gs pos="0">
+                  <a:schemeClr val="accent5">
+                    <a:alpha val="8000"/>
+                  </a:schemeClr>
+                </a:gs>
+                <a:gs pos="72000">
+                  <a:schemeClr val="accent5">
+                    <a:alpha val="0"/>
+                  </a:schemeClr>
+                </a:gs>
+                <a:gs pos="36000">
+                  <a:schemeClr val="accent5">
+                    <a:alpha val="8000"/>
+                  </a:schemeClr>
+                </a:gs>
+              </a:gsLst>
+              <a:path path="circle">
+                <a:fillToRect l="50000" t="50000" r="50000" b="50000"/>
+              </a:path>
+              <a:tileRect/>
+            </a:gradFill>
+            <a:ln>
+              <a:noFill/>
+            </a:ln>
+            <a:effectLst/>
+          </p:spPr>
+          <p:style>
+            <a:lnRef idx="1">
+              <a:schemeClr val="accent1"/>
+            </a:lnRef>
+            <a:fillRef idx="3">
+              <a:schemeClr val="accent1"/>
+            </a:fillRef>
+            <a:effectRef idx="2">
+              <a:schemeClr val="accent1"/>
+            </a:effectRef>
+            <a:fontRef idx="minor">
+              <a:schemeClr val="lt1"/>
+            </a:fontRef>
+          </p:style>
+        </p:sp>
+        <p:sp>
+          <p:nvSpPr>
+            <p:cNvPr id="27" name="Rectangle 26">
+              <a:extLst>
+                <a:ext uri="{FF2B5EF4-FFF2-40B4-BE49-F238E27FC236}">
+                  <a16:creationId xmlns:a16="http://schemas.microsoft.com/office/drawing/2014/main" id="{88FBA05C-D740-40CE-9A7D-9E5A715AEA36}"/>
+                </a:ext>
+                <a:ext uri="{C183D7F6-B498-43B3-948B-1728B52AA6E4}">
+                  <adec:decorative xmlns:adec="http://schemas.microsoft.com/office/drawing/2017/decorative" val="1"/>
+                </a:ext>
+              </a:extLst>
+            </p:cNvPr>
+            <p:cNvSpPr/>
+            <p:nvPr>
+              <p:extLst>
+                <p:ext uri="{386F3935-93C4-4BCD-93E2-E3B085C9AB24}">
+                  <p16:designElem xmlns:p16="http://schemas.microsoft.com/office/powerpoint/2015/main" val="1"/>
+                </p:ext>
+              </p:extLst>
+            </p:nvPr>
+          </p:nvSpPr>
+          <p:spPr bwMode="gray">
+            <a:xfrm>
+              <a:off x="5713412" y="402165"/>
+              <a:ext cx="6055253" cy="6053670"/>
+            </a:xfrm>
+            <a:prstGeom prst="rect">
+              <a:avLst/>
+            </a:prstGeom>
+            <a:solidFill>
+              <a:schemeClr val="bg1"/>
+            </a:solidFill>
+            <a:ln>
+              <a:noFill/>
+            </a:ln>
+            <a:effectLst/>
+          </p:spPr>
+          <p:style>
+            <a:lnRef idx="1">
+              <a:schemeClr val="accent1"/>
+            </a:lnRef>
+            <a:fillRef idx="3">
+              <a:schemeClr val="accent1"/>
+            </a:fillRef>
+            <a:effectRef idx="2">
+              <a:schemeClr val="accent1"/>
+            </a:effectRef>
+            <a:fontRef idx="minor">
+              <a:schemeClr val="lt1"/>
+            </a:fontRef>
+          </p:style>
+        </p:sp>
+        <p:sp>
+          <p:nvSpPr>
+            <p:cNvPr id="28" name="Freeform 5">
+              <a:extLst>
+                <a:ext uri="{FF2B5EF4-FFF2-40B4-BE49-F238E27FC236}">
+                  <a16:creationId xmlns:a16="http://schemas.microsoft.com/office/drawing/2014/main" id="{B4A81DE1-E2BC-4A31-99EE-71350421B0EA}"/>
+                </a:ext>
+                <a:ext uri="{C183D7F6-B498-43B3-948B-1728B52AA6E4}">
+                  <adec:decorative xmlns:adec="http://schemas.microsoft.com/office/drawing/2017/decorative" val="1"/>
+                </a:ext>
+              </a:extLst>
+            </p:cNvPr>
+            <p:cNvSpPr/>
+            <p:nvPr>
+              <p:extLst>
+                <p:ext uri="{386F3935-93C4-4BCD-93E2-E3B085C9AB24}">
+                  <p16:designElem xmlns:p16="http://schemas.microsoft.com/office/powerpoint/2015/main" val="1"/>
+                </p:ext>
+              </p:extLst>
+            </p:nvPr>
+          </p:nvSpPr>
+          <p:spPr bwMode="gray">
+            <a:xfrm rot="15922489">
+              <a:off x="3140485" y="1826078"/>
+              <a:ext cx="3299407" cy="440924"/>
+            </a:xfrm>
+            <a:custGeom>
+              <a:avLst/>
+              <a:gdLst/>
+              <a:ahLst/>
+              <a:cxnLst/>
+              <a:rect l="l" t="t" r="r" b="b"/>
+              <a:pathLst>
+                <a:path w="10000" h="5291">
+                  <a:moveTo>
+                    <a:pt x="85" y="2532"/>
+                  </a:moveTo>
+                  <a:cubicBezTo>
+                    <a:pt x="1736" y="3911"/>
+                    <a:pt x="7524" y="5298"/>
+                    <a:pt x="9958" y="5291"/>
+                  </a:cubicBezTo>
+                  <a:cubicBezTo>
+                    <a:pt x="9989" y="1958"/>
+                    <a:pt x="9969" y="3333"/>
+                    <a:pt x="10000" y="0"/>
+                  </a:cubicBezTo>
+                  <a:lnTo>
+                    <a:pt x="10000" y="0"/>
+                  </a:lnTo>
+                  <a:lnTo>
+                    <a:pt x="9667" y="204"/>
+                  </a:lnTo>
+                  <a:lnTo>
+                    <a:pt x="9334" y="400"/>
+                  </a:lnTo>
+                  <a:lnTo>
+                    <a:pt x="9001" y="590"/>
+                  </a:lnTo>
+                  <a:lnTo>
+                    <a:pt x="8667" y="753"/>
+                  </a:lnTo>
+                  <a:lnTo>
+                    <a:pt x="8333" y="917"/>
+                  </a:lnTo>
+                  <a:lnTo>
+                    <a:pt x="7999" y="1071"/>
+                  </a:lnTo>
+                  <a:lnTo>
+                    <a:pt x="7669" y="1202"/>
+                  </a:lnTo>
+                  <a:lnTo>
+                    <a:pt x="7333" y="1325"/>
+                  </a:lnTo>
+                  <a:lnTo>
+                    <a:pt x="7000" y="1440"/>
+                  </a:lnTo>
+                  <a:lnTo>
+                    <a:pt x="6673" y="1538"/>
+                  </a:lnTo>
+                  <a:lnTo>
+                    <a:pt x="6340" y="1636"/>
+                  </a:lnTo>
+                  <a:lnTo>
+                    <a:pt x="6013" y="1719"/>
+                  </a:lnTo>
+                  <a:lnTo>
+                    <a:pt x="5686" y="1784"/>
+                  </a:lnTo>
+                  <a:lnTo>
+                    <a:pt x="5359" y="1850"/>
+                  </a:lnTo>
+                  <a:lnTo>
+                    <a:pt x="5036" y="1906"/>
+                  </a:lnTo>
+                  <a:lnTo>
+                    <a:pt x="4717" y="1948"/>
+                  </a:lnTo>
+                  <a:lnTo>
+                    <a:pt x="4396" y="1980"/>
+                  </a:lnTo>
+                  <a:lnTo>
+                    <a:pt x="4079" y="2013"/>
+                  </a:lnTo>
+                  <a:lnTo>
+                    <a:pt x="3766" y="2029"/>
+                  </a:lnTo>
+                  <a:lnTo>
+                    <a:pt x="3454" y="2046"/>
+                  </a:lnTo>
+                  <a:lnTo>
+                    <a:pt x="3145" y="2053"/>
+                  </a:lnTo>
+                  <a:lnTo>
+                    <a:pt x="2839" y="2046"/>
+                  </a:lnTo>
+                  <a:lnTo>
+                    <a:pt x="2537" y="2046"/>
+                  </a:lnTo>
+                  <a:lnTo>
+                    <a:pt x="2238" y="2029"/>
+                  </a:lnTo>
+                  <a:lnTo>
+                    <a:pt x="1943" y="2004"/>
+                  </a:lnTo>
+                  <a:lnTo>
+                    <a:pt x="1653" y="1980"/>
+                  </a:lnTo>
+                  <a:lnTo>
+                    <a:pt x="1368" y="1955"/>
+                  </a:lnTo>
+                  <a:lnTo>
+                    <a:pt x="1085" y="1915"/>
+                  </a:lnTo>
+                  <a:lnTo>
+                    <a:pt x="806" y="1873"/>
+                  </a:lnTo>
+                  <a:lnTo>
+                    <a:pt x="533" y="1833"/>
+                  </a:lnTo>
+                  <a:lnTo>
+                    <a:pt x="0" y="1726"/>
+                  </a:lnTo>
+                  <a:cubicBezTo>
+                    <a:pt x="28" y="1995"/>
+                    <a:pt x="57" y="2263"/>
+                    <a:pt x="85" y="2532"/>
+                  </a:cubicBezTo>
+                  <a:close/>
+                </a:path>
+              </a:pathLst>
+            </a:custGeom>
+            <a:solidFill>
+              <a:schemeClr val="bg1">
+                <a:alpha val="20000"/>
+              </a:schemeClr>
+            </a:solidFill>
+            <a:ln>
+              <a:noFill/>
+            </a:ln>
+          </p:spPr>
+        </p:sp>
+        <p:sp>
+          <p:nvSpPr>
+            <p:cNvPr id="29" name="Freeform 5">
+              <a:extLst>
+                <a:ext uri="{FF2B5EF4-FFF2-40B4-BE49-F238E27FC236}">
+                  <a16:creationId xmlns:a16="http://schemas.microsoft.com/office/drawing/2014/main" id="{FDE8183D-5757-4D73-A338-62BDD88E49B2}"/>
+                </a:ext>
+                <a:ext uri="{C183D7F6-B498-43B3-948B-1728B52AA6E4}">
+                  <adec:decorative xmlns:adec="http://schemas.microsoft.com/office/drawing/2017/decorative" val="1"/>
+                </a:ext>
+              </a:extLst>
+            </p:cNvPr>
+            <p:cNvSpPr/>
+            <p:nvPr>
+              <p:extLst>
+                <p:ext uri="{386F3935-93C4-4BCD-93E2-E3B085C9AB24}">
+                  <p16:designElem xmlns:p16="http://schemas.microsoft.com/office/powerpoint/2015/main" val="1"/>
+                </p:ext>
+              </p:extLst>
+            </p:nvPr>
+          </p:nvSpPr>
+          <p:spPr bwMode="gray">
+            <a:xfrm rot="16200000">
+              <a:off x="2229377" y="2801721"/>
+              <a:ext cx="6053670" cy="1254558"/>
+            </a:xfrm>
+            <a:custGeom>
+              <a:avLst/>
+              <a:gdLst/>
+              <a:ahLst/>
+              <a:cxnLst/>
+              <a:rect l="l" t="t" r="r" b="b"/>
+              <a:pathLst>
+                <a:path w="10000" h="8000">
+                  <a:moveTo>
+                    <a:pt x="0" y="0"/>
+                  </a:moveTo>
+                  <a:lnTo>
+                    <a:pt x="0" y="7970"/>
+                  </a:lnTo>
+                  <a:lnTo>
+                    <a:pt x="10000" y="8000"/>
+                  </a:lnTo>
+                  <a:lnTo>
+                    <a:pt x="10000" y="7"/>
+                  </a:lnTo>
+                  <a:lnTo>
+                    <a:pt x="10000" y="7"/>
+                  </a:lnTo>
+                  <a:lnTo>
+                    <a:pt x="9773" y="156"/>
+                  </a:lnTo>
+                  <a:lnTo>
+                    <a:pt x="9547" y="298"/>
+                  </a:lnTo>
+                  <a:lnTo>
+                    <a:pt x="9320" y="437"/>
+                  </a:lnTo>
+                  <a:lnTo>
+                    <a:pt x="9092" y="556"/>
+                  </a:lnTo>
+                  <a:lnTo>
+                    <a:pt x="8865" y="676"/>
+                  </a:lnTo>
+                  <a:lnTo>
+                    <a:pt x="8637" y="788"/>
+                  </a:lnTo>
+                  <a:lnTo>
+                    <a:pt x="8412" y="884"/>
+                  </a:lnTo>
+                  <a:lnTo>
+                    <a:pt x="8184" y="975"/>
+                  </a:lnTo>
+                  <a:lnTo>
+                    <a:pt x="7957" y="1058"/>
+                  </a:lnTo>
+                  <a:lnTo>
+                    <a:pt x="7734" y="1130"/>
+                  </a:lnTo>
+                  <a:lnTo>
+                    <a:pt x="7508" y="1202"/>
+                  </a:lnTo>
+                  <a:lnTo>
+                    <a:pt x="7285" y="1262"/>
+                  </a:lnTo>
+                  <a:lnTo>
+                    <a:pt x="7062" y="1309"/>
+                  </a:lnTo>
+                  <a:lnTo>
+                    <a:pt x="6840" y="1358"/>
+                  </a:lnTo>
+                  <a:lnTo>
+                    <a:pt x="6620" y="1399"/>
+                  </a:lnTo>
+                  <a:lnTo>
+                    <a:pt x="6402" y="1428"/>
+                  </a:lnTo>
+                  <a:lnTo>
+                    <a:pt x="6184" y="1453"/>
+                  </a:lnTo>
+                  <a:lnTo>
+                    <a:pt x="5968" y="1477"/>
+                  </a:lnTo>
+                  <a:lnTo>
+                    <a:pt x="5755" y="1488"/>
+                  </a:lnTo>
+                  <a:lnTo>
+                    <a:pt x="5542" y="1500"/>
+                  </a:lnTo>
+                  <a:lnTo>
+                    <a:pt x="5332" y="1506"/>
+                  </a:lnTo>
+                  <a:lnTo>
+                    <a:pt x="5124" y="1500"/>
+                  </a:lnTo>
+                  <a:lnTo>
+                    <a:pt x="4918" y="1500"/>
+                  </a:lnTo>
+                  <a:lnTo>
+                    <a:pt x="4714" y="1488"/>
+                  </a:lnTo>
+                  <a:lnTo>
+                    <a:pt x="4514" y="1470"/>
+                  </a:lnTo>
+                  <a:lnTo>
+                    <a:pt x="4316" y="1453"/>
+                  </a:lnTo>
+                  <a:lnTo>
+                    <a:pt x="4122" y="1434"/>
+                  </a:lnTo>
+                  <a:lnTo>
+                    <a:pt x="3929" y="1405"/>
+                  </a:lnTo>
+                  <a:lnTo>
+                    <a:pt x="3739" y="1374"/>
+                  </a:lnTo>
+                  <a:lnTo>
+                    <a:pt x="3553" y="1346"/>
+                  </a:lnTo>
+                  <a:lnTo>
+                    <a:pt x="3190" y="1267"/>
+                  </a:lnTo>
+                  <a:lnTo>
+                    <a:pt x="2842" y="1183"/>
+                  </a:lnTo>
+                  <a:lnTo>
+                    <a:pt x="2508" y="1095"/>
+                  </a:lnTo>
+                  <a:lnTo>
+                    <a:pt x="2192" y="998"/>
+                  </a:lnTo>
+                  <a:lnTo>
+                    <a:pt x="1890" y="897"/>
+                  </a:lnTo>
+                  <a:lnTo>
+                    <a:pt x="1610" y="788"/>
+                  </a:lnTo>
+                  <a:lnTo>
+                    <a:pt x="1347" y="681"/>
+                  </a:lnTo>
+                  <a:lnTo>
+                    <a:pt x="1105" y="574"/>
+                  </a:lnTo>
+                  <a:lnTo>
+                    <a:pt x="883" y="473"/>
+                  </a:lnTo>
+                  <a:lnTo>
+                    <a:pt x="686" y="377"/>
+                  </a:lnTo>
+                  <a:lnTo>
+                    <a:pt x="508" y="286"/>
+                  </a:lnTo>
+                  <a:lnTo>
+                    <a:pt x="358" y="210"/>
+                  </a:lnTo>
+                  <a:lnTo>
+                    <a:pt x="232" y="138"/>
+                  </a:lnTo>
+                  <a:lnTo>
+                    <a:pt x="59" y="35"/>
+                  </a:lnTo>
+                  <a:lnTo>
+                    <a:pt x="0" y="0"/>
+                  </a:lnTo>
+                  <a:lnTo>
+                    <a:pt x="0" y="0"/>
+                  </a:lnTo>
+                  <a:close/>
+                </a:path>
+              </a:pathLst>
+            </a:custGeom>
+            <a:solidFill>
+              <a:schemeClr val="bg1"/>
+            </a:solidFill>
+            <a:ln>
+              <a:noFill/>
+            </a:ln>
+          </p:spPr>
+        </p:sp>
+        <p:sp>
+          <p:nvSpPr>
+            <p:cNvPr id="30" name="Freeform 5">
+              <a:extLst>
+                <a:ext uri="{FF2B5EF4-FFF2-40B4-BE49-F238E27FC236}">
+                  <a16:creationId xmlns:a16="http://schemas.microsoft.com/office/drawing/2014/main" id="{F6ACD5FC-CAFE-48EB-B765-60EED2E052F0}"/>
+                </a:ext>
+                <a:ext uri="{C183D7F6-B498-43B3-948B-1728B52AA6E4}">
+                  <adec:decorative xmlns:adec="http://schemas.microsoft.com/office/drawing/2017/decorative" val="1"/>
+                </a:ext>
+              </a:extLst>
+            </p:cNvPr>
+            <p:cNvSpPr>
+              <a:spLocks noEditPoints="1"/>
+            </p:cNvSpPr>
+            <p:nvPr>
+              <p:extLst>
+                <p:ext uri="{386F3935-93C4-4BCD-93E2-E3B085C9AB24}">
+                  <p16:designElem xmlns:p16="http://schemas.microsoft.com/office/powerpoint/2015/main" val="1"/>
+                </p:ext>
+              </p:extLst>
+            </p:nvPr>
+          </p:nvSpPr>
+          <p:spPr bwMode="gray">
+            <a:xfrm>
+              <a:off x="0" y="1587"/>
+              <a:ext cx="12192000" cy="6856413"/>
+            </a:xfrm>
+            <a:custGeom>
+              <a:avLst/>
+              <a:gdLst/>
+              <a:ahLst/>
+              <a:cxnLst/>
+              <a:rect l="0" t="0" r="r" b="b"/>
+              <a:pathLst>
+                <a:path w="15356" h="8638">
+                  <a:moveTo>
+                    <a:pt x="0" y="0"/>
+                  </a:moveTo>
+                  <a:lnTo>
+                    <a:pt x="0" y="8638"/>
+                  </a:lnTo>
+                  <a:lnTo>
+                    <a:pt x="15356" y="8638"/>
+                  </a:lnTo>
+                  <a:lnTo>
+                    <a:pt x="15356" y="0"/>
+                  </a:lnTo>
+                  <a:lnTo>
+                    <a:pt x="0" y="0"/>
+                  </a:lnTo>
+                  <a:close/>
+                  <a:moveTo>
+                    <a:pt x="14748" y="8038"/>
+                  </a:moveTo>
+                  <a:lnTo>
+                    <a:pt x="600" y="8038"/>
+                  </a:lnTo>
+                  <a:lnTo>
+                    <a:pt x="600" y="592"/>
+                  </a:lnTo>
+                  <a:lnTo>
+                    <a:pt x="14748" y="592"/>
+                  </a:lnTo>
+                  <a:lnTo>
+                    <a:pt x="14748" y="8038"/>
+                  </a:lnTo>
+                  <a:close/>
+                </a:path>
+              </a:pathLst>
+            </a:custGeom>
+            <a:solidFill>
+              <a:schemeClr val="bg1"/>
+            </a:solidFill>
+            <a:ln>
+              <a:noFill/>
+            </a:ln>
+          </p:spPr>
+        </p:sp>
+      </p:grpSp>
+      <p:sp>
+        <p:nvSpPr>
+          <p:cNvPr id="2" name="Title 1">
+            <a:extLst>
+              <a:ext uri="{FF2B5EF4-FFF2-40B4-BE49-F238E27FC236}">
+                <a16:creationId xmlns:a16="http://schemas.microsoft.com/office/drawing/2014/main" id="{6D3BE56B-319C-B146-B742-3B9DE018F1D0}"/>
+              </a:ext>
+            </a:extLst>
+          </p:cNvPr>
+          <p:cNvSpPr>
+            <a:spLocks noGrp="1"/>
+          </p:cNvSpPr>
+          <p:nvPr>
+            <p:ph type="title"/>
+          </p:nvPr>
+        </p:nvSpPr>
+        <p:spPr>
+          <a:xfrm>
+            <a:off x="1154955" y="973668"/>
+            <a:ext cx="2942210" cy="1020232"/>
+          </a:xfrm>
+        </p:spPr>
+        <p:txBody>
+          <a:bodyPr>
+            <a:normAutofit/>
+          </a:bodyPr>
+          <a:lstStyle/>
+          <a:p>
+            <a:pPr>
+              <a:lnSpc>
+                <a:spcPct val="90000"/>
+              </a:lnSpc>
+            </a:pPr>
+            <a:r>
+              <a:rPr lang="en-US" sz="2800">
+                <a:solidFill>
+                  <a:srgbClr val="EBEBEB"/>
+                </a:solidFill>
+              </a:rPr>
+              <a:t>Preprocessing / Multiprocessing</a:t>
+            </a:r>
+          </a:p>
+        </p:txBody>
+      </p:sp>
+      <p:sp>
+        <p:nvSpPr>
+          <p:cNvPr id="3" name="Content Placeholder 2">
+            <a:extLst>
+              <a:ext uri="{FF2B5EF4-FFF2-40B4-BE49-F238E27FC236}">
+                <a16:creationId xmlns:a16="http://schemas.microsoft.com/office/drawing/2014/main" id="{68352D02-EB12-A74C-AF07-F8208D1DDDEB}"/>
+              </a:ext>
+            </a:extLst>
+          </p:cNvPr>
+          <p:cNvSpPr>
+            <a:spLocks noGrp="1"/>
+          </p:cNvSpPr>
+          <p:nvPr>
+            <p:ph idx="1"/>
+          </p:nvPr>
+        </p:nvSpPr>
+        <p:spPr>
+          <a:xfrm>
+            <a:off x="1154955" y="2120900"/>
+            <a:ext cx="3133726" cy="3898900"/>
+          </a:xfrm>
+        </p:spPr>
+        <p:txBody>
+          <a:bodyPr>
+            <a:normAutofit/>
+          </a:bodyPr>
+          <a:lstStyle/>
+          <a:p>
+            <a:r>
+              <a:rPr lang="en-US" dirty="0">
+                <a:solidFill>
+                  <a:srgbClr val="FFFFFF"/>
+                </a:solidFill>
+              </a:rPr>
+              <a:t>Downloaded from </a:t>
+            </a:r>
+            <a:r>
+              <a:rPr lang="en-US">
+                <a:solidFill>
+                  <a:srgbClr val="FFFFFF"/>
+                </a:solidFill>
+              </a:rPr>
+              <a:t>db</a:t>
+            </a:r>
+            <a:r>
+              <a:rPr lang="en-US" dirty="0">
+                <a:solidFill>
+                  <a:srgbClr val="FFFFFF"/>
+                </a:solidFill>
+              </a:rPr>
+              <a:t>: 100,000+ fits files (~1mb each </a:t>
+            </a:r>
+            <a:r>
+              <a:rPr lang="en-US" dirty="0">
+                <a:solidFill>
+                  <a:srgbClr val="FFFFFF"/>
+                </a:solidFill>
+                <a:sym typeface="Wingdings" pitchFamily="2" charset="2"/>
+              </a:rPr>
+              <a:t> 100+gb</a:t>
+            </a:r>
+            <a:r>
+              <a:rPr lang="en-US" dirty="0">
+                <a:solidFill>
+                  <a:srgbClr val="FFFFFF"/>
+                </a:solidFill>
+              </a:rPr>
+              <a:t>)</a:t>
+            </a:r>
+          </a:p>
+          <a:p>
+            <a:r>
+              <a:rPr lang="en-US" dirty="0">
+                <a:solidFill>
+                  <a:srgbClr val="FFFFFF"/>
+                </a:solidFill>
+              </a:rPr>
+              <a:t>Extract useful data (</a:t>
+            </a:r>
+            <a:r>
+              <a:rPr lang="en-US">
+                <a:solidFill>
+                  <a:srgbClr val="FFFFFF"/>
+                </a:solidFill>
+              </a:rPr>
+              <a:t>i.e</a:t>
+            </a:r>
+            <a:r>
+              <a:rPr lang="en-US" dirty="0">
+                <a:solidFill>
+                  <a:srgbClr val="FFFFFF"/>
+                </a:solidFill>
+              </a:rPr>
+              <a:t> </a:t>
+            </a:r>
+            <a:r>
+              <a:rPr lang="en-US">
+                <a:solidFill>
+                  <a:srgbClr val="FFFFFF"/>
+                </a:solidFill>
+              </a:rPr>
+              <a:t>spectra,subclass</a:t>
+            </a:r>
+            <a:r>
+              <a:rPr lang="en-US" dirty="0">
+                <a:solidFill>
+                  <a:srgbClr val="FFFFFF"/>
+                </a:solidFill>
+              </a:rPr>
+              <a:t> </a:t>
+            </a:r>
+            <a:r>
+              <a:rPr lang="en-US">
+                <a:solidFill>
+                  <a:srgbClr val="FFFFFF"/>
+                </a:solidFill>
+              </a:rPr>
+              <a:t>etc</a:t>
+            </a:r>
+            <a:r>
+              <a:rPr lang="en-US" dirty="0">
+                <a:solidFill>
+                  <a:srgbClr val="FFFFFF"/>
+                </a:solidFill>
+              </a:rPr>
+              <a:t>) and loop through each star</a:t>
+            </a:r>
+          </a:p>
+          <a:p>
+            <a:r>
+              <a:rPr lang="en-US" dirty="0">
+                <a:solidFill>
+                  <a:srgbClr val="FFFFFF"/>
+                </a:solidFill>
+              </a:rPr>
+              <a:t>Needed to correct them for redshift and -&gt; all on same wavelength grid</a:t>
+            </a:r>
+          </a:p>
+          <a:p>
+            <a:r>
+              <a:rPr lang="en-US" dirty="0">
+                <a:solidFill>
+                  <a:srgbClr val="FFFFFF"/>
+                </a:solidFill>
+              </a:rPr>
+              <a:t>Use 4 cores?</a:t>
+            </a:r>
+          </a:p>
+          <a:p>
+            <a:endParaRPr lang="en-US" dirty="0">
+              <a:solidFill>
+                <a:srgbClr val="FFFFFF"/>
+              </a:solidFill>
+            </a:endParaRPr>
+          </a:p>
+        </p:txBody>
+      </p:sp>
+      <p:pic>
+        <p:nvPicPr>
+          <p:cNvPr id="4" name="Picture 3">
+            <a:extLst>
+              <a:ext uri="{FF2B5EF4-FFF2-40B4-BE49-F238E27FC236}">
+                <a16:creationId xmlns:a16="http://schemas.microsoft.com/office/drawing/2014/main" id="{BB0A5DB5-401A-2A4A-805B-580BE97E95BF}"/>
+              </a:ext>
+            </a:extLst>
+          </p:cNvPr>
+          <p:cNvPicPr>
+            <a:picLocks noChangeAspect="1"/>
+          </p:cNvPicPr>
+          <p:nvPr/>
+        </p:nvPicPr>
+        <p:blipFill>
+          <a:blip r:embed="rId3"/>
+          <a:stretch>
+            <a:fillRect/>
+          </a:stretch>
+        </p:blipFill>
+        <p:spPr>
+          <a:xfrm>
+            <a:off x="6611767" y="803751"/>
+            <a:ext cx="3557212" cy="5250498"/>
+          </a:xfrm>
+          <a:prstGeom prst="rect">
+            <a:avLst/>
+          </a:prstGeom>
+        </p:spPr>
+      </p:pic>
+      <p:sp>
+        <p:nvSpPr>
+          <p:cNvPr id="32" name="Rectangle 31">
+            <a:extLst>
+              <a:ext uri="{FF2B5EF4-FFF2-40B4-BE49-F238E27FC236}">
+                <a16:creationId xmlns:a16="http://schemas.microsoft.com/office/drawing/2014/main" id="{9F33B405-D785-4738-B1C0-6A0AA5E98286}"/>
+              </a:ext>
+              <a:ext uri="{C183D7F6-B498-43B3-948B-1728B52AA6E4}">
+                <adec:decorative xmlns:adec="http://schemas.microsoft.com/office/drawing/2017/decorative" val="1"/>
+              </a:ext>
+            </a:extLst>
+          </p:cNvPr>
+          <p:cNvSpPr>
+            <a:spLocks noGrp="1" noRot="1" noChangeAspect="1" noMove="1" noResize="1" noEditPoints="1" noAdjustHandles="1" noChangeArrowheads="1" noChangeShapeType="1" noTextEdit="1"/>
+          </p:cNvSpPr>
+          <p:nvPr>
+            <p:extLst>
+              <p:ext uri="{386F3935-93C4-4BCD-93E2-E3B085C9AB24}">
+                <p16:designElem xmlns:p16="http://schemas.microsoft.com/office/powerpoint/2015/main" val="1"/>
+              </p:ext>
+            </p:extLst>
+          </p:nvPr>
+        </p:nvSpPr>
+        <p:spPr>
+          <a:xfrm>
+            <a:off x="10437812" y="0"/>
+            <a:ext cx="685800" cy="1143000"/>
+          </a:xfrm>
+          <a:prstGeom prst="rect">
+            <a:avLst/>
+          </a:prstGeom>
+          <a:solidFill>
+            <a:schemeClr val="accent1"/>
+          </a:solidFill>
+          <a:ln>
+            <a:noFill/>
+          </a:ln>
+        </p:spPr>
+        <p:style>
+          <a:lnRef idx="1">
+            <a:schemeClr val="accent1"/>
+          </a:lnRef>
+          <a:fillRef idx="3">
+            <a:schemeClr val="accent1"/>
+          </a:fillRef>
+          <a:effectRef idx="2">
+            <a:schemeClr val="accent1"/>
+          </a:effectRef>
+          <a:fontRef idx="minor">
+            <a:schemeClr val="lt1"/>
+          </a:fontRef>
+        </p:style>
+      </p:sp>
+    </p:spTree>
+    <p:extLst>
+      <p:ext uri="{BB962C8B-B14F-4D97-AF65-F5344CB8AC3E}">
+        <p14:creationId xmlns:p14="http://schemas.microsoft.com/office/powerpoint/2010/main" val="1823339944"/>
+      </p:ext>
+    </p:extLst>
+  </p:cSld>
+  <p:clrMapOvr>
+    <a:masterClrMapping/>
+  </p:clrMapOvr>
+</p:sld>
+</file>
+
+<file path=ppt/slides/slide7.xml><?xml version="1.0" encoding="utf-8"?>
+<p:sld xmlns:a="http://schemas.openxmlformats.org/drawingml/2006/main" xmlns:r="http://schemas.openxmlformats.org/officeDocument/2006/relationships" xmlns:p="http://schemas.openxmlformats.org/presentationml/2006/main">
+  <p:cSld>
+    <p:bg>
+      <p:bgPr>
+        <a:solidFill>
+          <a:schemeClr val="bg1"/>
+        </a:solidFill>
+        <a:effectLst/>
+      </p:bgPr>
+    </p:bg>
+    <p:spTree>
+      <p:nvGrpSpPr>
+        <p:cNvPr id="1" name=""/>
+        <p:cNvGrpSpPr/>
+        <p:nvPr/>
+      </p:nvGrpSpPr>
+      <p:grpSpPr>
+        <a:xfrm>
+          <a:off x="0" y="0"/>
+          <a:ext cx="0" cy="0"/>
+          <a:chOff x="0" y="0"/>
+          <a:chExt cx="0" cy="0"/>
+        </a:xfrm>
+      </p:grpSpPr>
+      <p:grpSp>
+        <p:nvGrpSpPr>
           <p:cNvPr id="10" name="Group 9">
             <a:extLst>
               <a:ext uri="{FF2B5EF4-FFF2-40B4-BE49-F238E27FC236}">
@@ -22487,7 +23825,7 @@
 </p:sld>
 </file>
 
-<file path=ppt/slides/slide7.xml><?xml version="1.0" encoding="utf-8"?>
+<file path=ppt/slides/slide8.xml><?xml version="1.0" encoding="utf-8"?>
 <p:sld xmlns:a="http://schemas.openxmlformats.org/drawingml/2006/main" xmlns:r="http://schemas.openxmlformats.org/officeDocument/2006/relationships" xmlns:p="http://schemas.openxmlformats.org/presentationml/2006/main">
   <p:cSld>
     <p:spTree>
@@ -22599,7 +23937,7 @@
 </p:sld>
 </file>
 
-<file path=ppt/slides/slide8.xml><?xml version="1.0" encoding="utf-8"?>
+<file path=ppt/slides/slide9.xml><?xml version="1.0" encoding="utf-8"?>
 <p:sld xmlns:a="http://schemas.openxmlformats.org/drawingml/2006/main" xmlns:r="http://schemas.openxmlformats.org/officeDocument/2006/relationships" xmlns:p="http://schemas.openxmlformats.org/presentationml/2006/main">
   <p:cSld>
     <p:spTree>
@@ -22697,283 +24035,6 @@
     <p:extLst>
       <p:ext uri="{BB962C8B-B14F-4D97-AF65-F5344CB8AC3E}">
         <p14:creationId xmlns:p14="http://schemas.microsoft.com/office/powerpoint/2010/main" val="3327845042"/>
-      </p:ext>
-    </p:extLst>
-  </p:cSld>
-  <p:clrMapOvr>
-    <a:masterClrMapping/>
-  </p:clrMapOvr>
-</p:sld>
-</file>
-
-<file path=ppt/slides/slide9.xml><?xml version="1.0" encoding="utf-8"?>
-<p:sld xmlns:a="http://schemas.openxmlformats.org/drawingml/2006/main" xmlns:r="http://schemas.openxmlformats.org/officeDocument/2006/relationships" xmlns:p="http://schemas.openxmlformats.org/presentationml/2006/main">
-  <p:cSld>
-    <p:spTree>
-      <p:nvGrpSpPr>
-        <p:cNvPr id="1" name=""/>
-        <p:cNvGrpSpPr/>
-        <p:nvPr/>
-      </p:nvGrpSpPr>
-      <p:grpSpPr>
-        <a:xfrm>
-          <a:off x="0" y="0"/>
-          <a:ext cx="0" cy="0"/>
-          <a:chOff x="0" y="0"/>
-          <a:chExt cx="0" cy="0"/>
-        </a:xfrm>
-      </p:grpSpPr>
-      <p:sp>
-        <p:nvSpPr>
-          <p:cNvPr id="2" name="Title 1">
-            <a:extLst>
-              <a:ext uri="{FF2B5EF4-FFF2-40B4-BE49-F238E27FC236}">
-                <a16:creationId xmlns:a16="http://schemas.microsoft.com/office/drawing/2014/main" id="{7094FCE3-94DA-4EAC-8AA1-F34F988975B3}"/>
-              </a:ext>
-            </a:extLst>
-          </p:cNvPr>
-          <p:cNvSpPr>
-            <a:spLocks noGrp="1"/>
-          </p:cNvSpPr>
-          <p:nvPr>
-            <p:ph type="title"/>
-          </p:nvPr>
-        </p:nvSpPr>
-        <p:spPr/>
-        <p:txBody>
-          <a:bodyPr/>
-          <a:lstStyle/>
-          <a:p>
-            <a:r>
-              <a:rPr lang="en-AU" dirty="0"/>
-              <a:t>Layered Neural Network</a:t>
-            </a:r>
-          </a:p>
-        </p:txBody>
-      </p:sp>
-      <p:graphicFrame>
-        <p:nvGraphicFramePr>
-          <p:cNvPr id="4" name="Content Placeholder 3">
-            <a:extLst>
-              <a:ext uri="{FF2B5EF4-FFF2-40B4-BE49-F238E27FC236}">
-                <a16:creationId xmlns:a16="http://schemas.microsoft.com/office/drawing/2014/main" id="{52E527EB-103B-4E61-9691-6E820346F37D}"/>
-              </a:ext>
-            </a:extLst>
-          </p:cNvPr>
-          <p:cNvGraphicFramePr>
-            <a:graphicFrameLocks noGrp="1"/>
-          </p:cNvGraphicFramePr>
-          <p:nvPr>
-            <p:ph idx="1"/>
-            <p:extLst>
-              <p:ext uri="{D42A27DB-BD31-4B8C-83A1-F6EECF244321}">
-                <p14:modId xmlns:p14="http://schemas.microsoft.com/office/powerpoint/2010/main" val="3019143869"/>
-              </p:ext>
-            </p:extLst>
-          </p:nvPr>
-        </p:nvGraphicFramePr>
-        <p:xfrm>
-          <a:off x="329784" y="2608288"/>
-          <a:ext cx="10972800" cy="3411511"/>
-        </p:xfrm>
-        <a:graphic>
-          <a:graphicData uri="http://schemas.openxmlformats.org/drawingml/2006/diagram">
-            <dgm:relIds xmlns:dgm="http://schemas.openxmlformats.org/drawingml/2006/diagram" xmlns:r="http://schemas.openxmlformats.org/officeDocument/2006/relationships" r:dm="rId2" r:lo="rId3" r:qs="rId4" r:cs="rId5"/>
-          </a:graphicData>
-        </a:graphic>
-      </p:graphicFrame>
-      <p:sp>
-        <p:nvSpPr>
-          <p:cNvPr id="6" name="Arrow: Right 5">
-            <a:extLst>
-              <a:ext uri="{FF2B5EF4-FFF2-40B4-BE49-F238E27FC236}">
-                <a16:creationId xmlns:a16="http://schemas.microsoft.com/office/drawing/2014/main" id="{D29FCA9F-8452-4CF5-A1E9-9A393FEE83B1}"/>
-              </a:ext>
-            </a:extLst>
-          </p:cNvPr>
-          <p:cNvSpPr/>
-          <p:nvPr/>
-        </p:nvSpPr>
-        <p:spPr>
-          <a:xfrm>
-            <a:off x="7030387" y="4075762"/>
-            <a:ext cx="1289154" cy="476561"/>
-          </a:xfrm>
-          <a:prstGeom prst="rightArrow">
-            <a:avLst/>
-          </a:prstGeom>
-          <a:solidFill>
-            <a:srgbClr val="DDBCC6"/>
-          </a:solidFill>
-          <a:ln>
-            <a:solidFill>
-              <a:srgbClr val="DDBCC6"/>
-            </a:solidFill>
-          </a:ln>
-        </p:spPr>
-        <p:style>
-          <a:lnRef idx="2">
-            <a:schemeClr val="accent1">
-              <a:shade val="50000"/>
-            </a:schemeClr>
-          </a:lnRef>
-          <a:fillRef idx="1">
-            <a:schemeClr val="accent1"/>
-          </a:fillRef>
-          <a:effectRef idx="0">
-            <a:schemeClr val="accent1"/>
-          </a:effectRef>
-          <a:fontRef idx="minor">
-            <a:schemeClr val="lt1"/>
-          </a:fontRef>
-        </p:style>
-        <p:txBody>
-          <a:bodyPr rtlCol="0" anchor="ctr"/>
-          <a:lstStyle/>
-          <a:p>
-            <a:pPr algn="ctr"/>
-            <a:endParaRPr lang="en-AU"/>
-          </a:p>
-        </p:txBody>
-      </p:sp>
-      <p:grpSp>
-        <p:nvGrpSpPr>
-          <p:cNvPr id="7" name="Group 6">
-            <a:extLst>
-              <a:ext uri="{FF2B5EF4-FFF2-40B4-BE49-F238E27FC236}">
-                <a16:creationId xmlns:a16="http://schemas.microsoft.com/office/drawing/2014/main" id="{B0027E4B-77D7-4E6D-ACD8-24F88BCB88AC}"/>
-              </a:ext>
-            </a:extLst>
-          </p:cNvPr>
-          <p:cNvGrpSpPr/>
-          <p:nvPr/>
-        </p:nvGrpSpPr>
-        <p:grpSpPr>
-          <a:xfrm>
-            <a:off x="8432391" y="3794674"/>
-            <a:ext cx="1483976" cy="1038735"/>
-            <a:chOff x="2974386" y="19545"/>
-            <a:chExt cx="1483976" cy="1038735"/>
-          </a:xfrm>
-        </p:grpSpPr>
-        <p:sp>
-          <p:nvSpPr>
-            <p:cNvPr id="8" name="Rectangle: Rounded Corners 7">
-              <a:extLst>
-                <a:ext uri="{FF2B5EF4-FFF2-40B4-BE49-F238E27FC236}">
-                  <a16:creationId xmlns:a16="http://schemas.microsoft.com/office/drawing/2014/main" id="{FD685B23-585A-4B06-8B62-A4A4111576F1}"/>
-                </a:ext>
-              </a:extLst>
-            </p:cNvPr>
-            <p:cNvSpPr/>
-            <p:nvPr/>
-          </p:nvSpPr>
-          <p:spPr>
-            <a:xfrm>
-              <a:off x="2974386" y="19545"/>
-              <a:ext cx="1483976" cy="1038735"/>
-            </a:xfrm>
-            <a:prstGeom prst="roundRect">
-              <a:avLst>
-                <a:gd name="adj" fmla="val 16670"/>
-              </a:avLst>
-            </a:prstGeom>
-          </p:spPr>
-          <p:style>
-            <a:lnRef idx="2">
-              <a:schemeClr val="lt1">
-                <a:hueOff val="0"/>
-                <a:satOff val="0"/>
-                <a:lumOff val="0"/>
-                <a:alphaOff val="0"/>
-              </a:schemeClr>
-            </a:lnRef>
-            <a:fillRef idx="1">
-              <a:schemeClr val="accent1">
-                <a:hueOff val="0"/>
-                <a:satOff val="0"/>
-                <a:lumOff val="0"/>
-                <a:alphaOff val="0"/>
-              </a:schemeClr>
-            </a:fillRef>
-            <a:effectRef idx="0">
-              <a:schemeClr val="accent1">
-                <a:hueOff val="0"/>
-                <a:satOff val="0"/>
-                <a:lumOff val="0"/>
-                <a:alphaOff val="0"/>
-              </a:schemeClr>
-            </a:effectRef>
-            <a:fontRef idx="minor">
-              <a:schemeClr val="lt1"/>
-            </a:fontRef>
-          </p:style>
-        </p:sp>
-        <p:sp>
-          <p:nvSpPr>
-            <p:cNvPr id="9" name="Rectangle: Rounded Corners 4">
-              <a:extLst>
-                <a:ext uri="{FF2B5EF4-FFF2-40B4-BE49-F238E27FC236}">
-                  <a16:creationId xmlns:a16="http://schemas.microsoft.com/office/drawing/2014/main" id="{5C020220-9946-4DE5-931F-ADAF1AEF20E4}"/>
-                </a:ext>
-              </a:extLst>
-            </p:cNvPr>
-            <p:cNvSpPr txBox="1"/>
-            <p:nvPr/>
-          </p:nvSpPr>
-          <p:spPr>
-            <a:xfrm>
-              <a:off x="3025102" y="70261"/>
-              <a:ext cx="1382544" cy="937303"/>
-            </a:xfrm>
-            <a:prstGeom prst="rect">
-              <a:avLst/>
-            </a:prstGeom>
-          </p:spPr>
-          <p:style>
-            <a:lnRef idx="0">
-              <a:scrgbClr r="0" g="0" b="0"/>
-            </a:lnRef>
-            <a:fillRef idx="0">
-              <a:scrgbClr r="0" g="0" b="0"/>
-            </a:fillRef>
-            <a:effectRef idx="0">
-              <a:scrgbClr r="0" g="0" b="0"/>
-            </a:effectRef>
-            <a:fontRef idx="minor">
-              <a:schemeClr val="lt1"/>
-            </a:fontRef>
-          </p:style>
-          <p:txBody>
-            <a:bodyPr spcFirstLastPara="0" vert="horz" wrap="square" lIns="53340" tIns="53340" rIns="53340" bIns="53340" numCol="1" spcCol="1270" anchor="ctr" anchorCtr="0">
-              <a:noAutofit/>
-            </a:bodyPr>
-            <a:lstStyle/>
-            <a:p>
-              <a:pPr marL="0" lvl="0" indent="0" algn="ctr" defTabSz="622300">
-                <a:lnSpc>
-                  <a:spcPct val="90000"/>
-                </a:lnSpc>
-                <a:spcBef>
-                  <a:spcPct val="0"/>
-                </a:spcBef>
-                <a:spcAft>
-                  <a:spcPct val="35000"/>
-                </a:spcAft>
-                <a:buNone/>
-              </a:pPr>
-              <a:r>
-                <a:rPr lang="en-AU" sz="1400" kern="1200" dirty="0"/>
-                <a:t>Classify M Stars into Subclasses</a:t>
-              </a:r>
-            </a:p>
-          </p:txBody>
-        </p:sp>
-      </p:grpSp>
-    </p:spTree>
-    <p:extLst>
-      <p:ext uri="{BB962C8B-B14F-4D97-AF65-F5344CB8AC3E}">
-        <p14:creationId xmlns:p14="http://schemas.microsoft.com/office/powerpoint/2010/main" val="3412194882"/>
       </p:ext>
     </p:extLst>
   </p:cSld>

--- a/ResearchPresentation.pptx
+++ b/ResearchPresentation.pptx
@@ -18518,10 +18518,9 @@
           <a:lstStyle/>
           <a:p>
             <a:r>
-              <a:rPr lang="en-AU"/>
+              <a:rPr lang="en-AU" dirty="0"/>
               <a:t>Extra Stuff</a:t>
             </a:r>
-            <a:endParaRPr lang="en-AU" dirty="0"/>
           </a:p>
         </p:txBody>
       </p:sp>
